--- a/Project_presentation/Project_presentation.pptx
+++ b/Project_presentation/Project_presentation.pptx
@@ -51,15 +51,15 @@
   <p:notesSz cx="6858000" cy="9144000"/>
   <p:embeddedFontLst>
     <p:embeddedFont>
-      <p:font typeface="Abel" panose="020B0604020202020204" charset="0"/>
+      <p:font typeface="Rubik Light" panose="020B0604020202020204" charset="-79"/>
       <p:regular r:id="rId41"/>
+      <p:bold r:id="rId42"/>
+      <p:italic r:id="rId43"/>
+      <p:boldItalic r:id="rId44"/>
     </p:embeddedFont>
     <p:embeddedFont>
-      <p:font typeface="Rubik Light" panose="020B0604020202020204" charset="-79"/>
-      <p:regular r:id="rId42"/>
-      <p:bold r:id="rId43"/>
-      <p:italic r:id="rId44"/>
-      <p:boldItalic r:id="rId45"/>
+      <p:font typeface="Abel" panose="020B0604020202020204" charset="0"/>
+      <p:regular r:id="rId45"/>
     </p:embeddedFont>
     <p:embeddedFont>
       <p:font typeface="Montserrat" panose="020B0604020202020204" charset="-94"/>
@@ -16366,13 +16366,7 @@
               <a:rPr lang="tr-TR" sz="1200" dirty="0" smtClean="0">
                 <a:hlinkClick r:id="rId3"/>
               </a:rPr>
-              <a:t>www.e</a:t>
-            </a:r>
-            <a:r>
-              <a:rPr lang="tr-TR" sz="1200" dirty="0" smtClean="0">
-                <a:hlinkClick r:id="rId3"/>
-              </a:rPr>
-              <a:t>mlakyorumlari.com</a:t>
+              <a:t>www.emlakyorumlari.com</a:t>
             </a:r>
             <a:r>
               <a:rPr lang="tr-TR" sz="1200" dirty="0" smtClean="0"/>
@@ -16398,7 +16392,6 @@
               <a:rPr lang="tr-TR" sz="1200" dirty="0" smtClean="0"/>
               <a:t> veri gizliliği konusunda gerekli düzenlemeler yapılmış ve 3. kişilerle içerik paylaşımı yapılmasına izin verilmemiştir.</a:t>
             </a:r>
-            <a:endParaRPr lang="tr-TR" sz="1200" dirty="0" smtClean="0"/>
           </a:p>
           <a:p>
             <a:pPr fontAlgn="base"/>
@@ -16420,11 +16413,7 @@
             </a:r>
             <a:r>
               <a:rPr lang="tr-TR" sz="1200" dirty="0" smtClean="0"/>
-              <a:t> </a:t>
-            </a:r>
-            <a:r>
-              <a:rPr lang="tr-TR" sz="1200" dirty="0" smtClean="0"/>
-              <a:t>ile çalışmak, gerçek iş dünyasında kullanılan bazı teknolojileri bu projeye entegre etmektir.</a:t>
+              <a:t> ile çalışmak, gerçek iş dünyasında kullanılan bazı teknolojileri bu projeye entegre etmektir.</a:t>
             </a:r>
           </a:p>
           <a:p>
@@ -18548,15 +18537,7 @@
             </a:r>
             <a:r>
               <a:rPr lang="tr-TR" dirty="0" smtClean="0"/>
-              <a:t>) olarak doğsa da sonrasında çok sevildiği için kendisi bir yazılım mimarisi olarak kullanılmaya başlanmıştır. MVC, </a:t>
-            </a:r>
-            <a:r>
-              <a:rPr lang="tr-TR" dirty="0" smtClean="0"/>
-              <a:t>adının baş harflerini aldığı </a:t>
-            </a:r>
-            <a:r>
-              <a:rPr lang="tr-TR" dirty="0" smtClean="0"/>
-              <a:t>model-görsel-kontrolcü(model-</a:t>
+              <a:t>) olarak doğsa da sonrasında çok sevildiği için kendisi bir yazılım mimarisi olarak kullanılmaya başlanmıştır. MVC, adının baş harflerini aldığı model-görsel-kontrolcü(model-</a:t>
             </a:r>
             <a:r>
               <a:rPr lang="tr-TR" dirty="0" err="1" smtClean="0"/>
@@ -18754,7 +18735,6 @@
               <a:rPr lang="tr-TR" dirty="0"/>
               <a:t>MVC – RAZOR SYNTAX</a:t>
             </a:r>
-            <a:endParaRPr lang="tr-TR" dirty="0"/>
           </a:p>
         </p:txBody>
       </p:sp>
@@ -20575,15 +20555,7 @@
           <a:effectLst>
             <a:reflection blurRad="12700" stA="38000" endPos="28000" dist="5000" dir="5400000" sy="-100000" algn="bl" rotWithShape="0"/>
           </a:effectLst>
-          <a:extLst>
-            <a:ext uri="{909E8E84-426E-40DD-AFC4-6F175D3DCCD1}">
-              <a14:hiddenFill xmlns:a14="http://schemas.microsoft.com/office/drawing/2010/main">
-                <a:solidFill>
-                  <a:srgbClr val="FFFFFF"/>
-                </a:solidFill>
-              </a14:hiddenFill>
-            </a:ext>
-          </a:extLst>
+          <a:extLst/>
         </p:spPr>
       </p:pic>
     </p:spTree>
@@ -20674,11 +20646,7 @@
             </a:pPr>
             <a:r>
               <a:rPr lang="tr-TR" dirty="0" smtClean="0"/>
-              <a:t>- </a:t>
-            </a:r>
-            <a:r>
-              <a:rPr lang="tr-TR" dirty="0" smtClean="0"/>
-              <a:t>Projede kullanılan veri tabanı POSTGRESQL olarak belirlenmiştir.</a:t>
+              <a:t>- Projede kullanılan veri tabanı POSTGRESQL olarak belirlenmiştir.</a:t>
             </a:r>
             <a:endParaRPr dirty="0"/>
           </a:p>
@@ -21412,11 +21380,7 @@
             </a:pPr>
             <a:r>
               <a:rPr lang="tr-TR" dirty="0" smtClean="0"/>
-              <a:t>- Y</a:t>
-            </a:r>
-            <a:r>
-              <a:rPr lang="tr-TR" dirty="0" smtClean="0"/>
-              <a:t>azılım mimarisi olarak MVC</a:t>
+              <a:t>- Yazılım mimarisi olarak MVC</a:t>
             </a:r>
           </a:p>
           <a:p>
@@ -21450,13 +21414,8 @@
             </a:r>
             <a:r>
               <a:rPr lang="tr-TR" dirty="0" smtClean="0"/>
-              <a:t>  ise ASP.NET  </a:t>
+              <a:t>  ise ASP.NET  Olarak belirlenmiştir.</a:t>
             </a:r>
-            <a:r>
-              <a:rPr lang="tr-TR" dirty="0" smtClean="0"/>
-              <a:t>Olarak belirlenmiştir.</a:t>
-            </a:r>
-            <a:endParaRPr lang="tr-TR" dirty="0" smtClean="0"/>
           </a:p>
           <a:p>
             <a:pPr marL="171450" lvl="0" indent="-171450">
@@ -21872,15 +21831,19 @@
             </a:r>
             <a:r>
               <a:rPr lang="tr-TR" dirty="0" smtClean="0"/>
-              <a:t> tasarımı, aslında bizlere de arka planda neler yapacağımızı, hangi fonksiyonların yazılıp çizileceği konusunda da bazı </a:t>
+              <a:t> tasarımı, aslında bizlere de arka planda neler yapacağımızı, hangi fonksiyonların yazılıp çizileceği konusunda da </a:t>
             </a:r>
             <a:r>
-              <a:rPr lang="tr-TR" dirty="0" err="1" smtClean="0"/>
-              <a:t>ipucuları</a:t>
+              <a:rPr lang="tr-TR" smtClean="0"/>
+              <a:t>bazı </a:t>
+            </a:r>
+            <a:r>
+              <a:rPr lang="tr-TR" smtClean="0"/>
+              <a:t>ipuçları </a:t>
             </a:r>
             <a:r>
               <a:rPr lang="tr-TR" dirty="0" smtClean="0"/>
-              <a:t> vermektedir. </a:t>
+              <a:t>vermektedir. </a:t>
             </a:r>
           </a:p>
           <a:p>
@@ -22265,7 +22228,6 @@
               <a:rPr lang="tr-TR" dirty="0"/>
               <a:t>GITHUB</a:t>
             </a:r>
-            <a:endParaRPr lang="tr-TR" dirty="0"/>
           </a:p>
         </p:txBody>
       </p:sp>
@@ -24901,11 +24863,7 @@
             </a:r>
             <a:r>
               <a:rPr lang="tr-TR" dirty="0" smtClean="0"/>
-              <a:t> kısmında</a:t>
-            </a:r>
-            <a:r>
-              <a:rPr lang="tr-TR" dirty="0" smtClean="0"/>
-              <a:t> edinilen kazanımlar, hem gerçek hayatta iş dünyasında </a:t>
+              <a:t> kısmında edinilen kazanımlar, hem gerçek hayatta iş dünyasında </a:t>
             </a:r>
             <a:r>
               <a:rPr lang="tr-TR" dirty="0" err="1" smtClean="0"/>
@@ -24932,7 +24890,6 @@
               <a:rPr lang="tr-TR" dirty="0" smtClean="0"/>
               <a:t>Proje kapsamında aynı zamanda, her çalışanın kendisine alışkanlık haline getirmesi gereken ‘kendi kendine öğrenme’ ve ‘kendini geliştirme’ konusunda ciddi tecrübe kazanılmıştır. </a:t>
             </a:r>
-            <a:endParaRPr lang="tr-TR" dirty="0" smtClean="0"/>
           </a:p>
         </p:txBody>
       </p:sp>
@@ -25402,11 +25359,7 @@
             </a:pPr>
             <a:r>
               <a:rPr lang="tr-TR" sz="6600" dirty="0" smtClean="0"/>
-              <a:t>TESEKKURLER</a:t>
-            </a:r>
-            <a:r>
-              <a:rPr lang="tr-TR" sz="6600" dirty="0" smtClean="0"/>
-              <a:t>!</a:t>
+              <a:t>TESEKKURLER!</a:t>
             </a:r>
             <a:endParaRPr sz="6600" dirty="0"/>
           </a:p>
@@ -26809,12 +26762,12 @@
               <a:t>Bu özelliklerden </a:t>
             </a:r>
             <a:r>
-              <a:rPr lang="tr-TR" dirty="0" err="1" smtClean="0"/>
-              <a:t>faydalabilmeleri</a:t>
+              <a:rPr lang="tr-TR" dirty="0" smtClean="0"/>
+              <a:t>faydalanabilmeleri </a:t>
             </a:r>
             <a:r>
               <a:rPr lang="tr-TR" dirty="0" smtClean="0"/>
-              <a:t> için kullanıcıların üye olmaları zorunludur.</a:t>
+              <a:t>için kullanıcıların üye olmaları zorunludur.</a:t>
             </a:r>
           </a:p>
           <a:p>

--- a/Project_presentation/Project_presentation.pptx
+++ b/Project_presentation/Project_presentation.pptx
@@ -51,15 +51,15 @@
   <p:notesSz cx="6858000" cy="9144000"/>
   <p:embeddedFontLst>
     <p:embeddedFont>
-      <p:font typeface="Rubik Light" panose="020B0604020202020204" charset="-79"/>
+      <p:font typeface="Abel" panose="020B0604020202020204" charset="0"/>
       <p:regular r:id="rId41"/>
-      <p:bold r:id="rId42"/>
-      <p:italic r:id="rId43"/>
-      <p:boldItalic r:id="rId44"/>
     </p:embeddedFont>
     <p:embeddedFont>
-      <p:font typeface="Abel" panose="020B0604020202020204" charset="0"/>
-      <p:regular r:id="rId45"/>
+      <p:font typeface="Rubik Light" panose="020B0604020202020204" charset="-79"/>
+      <p:regular r:id="rId42"/>
+      <p:bold r:id="rId43"/>
+      <p:italic r:id="rId44"/>
+      <p:boldItalic r:id="rId45"/>
     </p:embeddedFont>
     <p:embeddedFont>
       <p:font typeface="Montserrat" panose="020B0604020202020204" charset="-94"/>

--- a/Project_presentation/Project_presentation.pptx
+++ b/Project_presentation/Project_presentation.pptx
@@ -55,14 +55,14 @@
       <p:regular r:id="rId41"/>
     </p:embeddedFont>
     <p:embeddedFont>
-      <p:font typeface="Rubik Light" panose="020B0604020202020204" charset="-79"/>
+      <p:font typeface="Montserrat" panose="020B0604020202020204" charset="-94"/>
       <p:regular r:id="rId42"/>
       <p:bold r:id="rId43"/>
       <p:italic r:id="rId44"/>
       <p:boldItalic r:id="rId45"/>
     </p:embeddedFont>
     <p:embeddedFont>
-      <p:font typeface="Montserrat" panose="020B0604020202020204" charset="-94"/>
+      <p:font typeface="Rubik Light" panose="020B0604020202020204" charset="-79"/>
       <p:regular r:id="rId46"/>
       <p:bold r:id="rId47"/>
       <p:italic r:id="rId48"/>
@@ -12305,7 +12305,7 @@
       </p:sp>
       <p:pic>
         <p:nvPicPr>
-          <p:cNvPr id="1026" name="Picture 2" descr="C:\Users\Cemal\Desktop\sunum görsel\hqdefault.jpg"/>
+          <p:cNvPr id="1026" name="Picture 2"/>
           <p:cNvPicPr>
             <a:picLocks noChangeAspect="1" noChangeArrowheads="1"/>
           </p:cNvPicPr>
@@ -12319,15 +12319,14 @@
               </a:ext>
             </a:extLst>
           </a:blip>
-          <a:srcRect/>
           <a:stretch>
             <a:fillRect/>
           </a:stretch>
         </p:blipFill>
         <p:spPr bwMode="auto">
           <a:xfrm>
-            <a:off x="6622390" y="3271292"/>
-            <a:ext cx="2496277" cy="1872208"/>
+            <a:off x="6622390" y="3505318"/>
+            <a:ext cx="2496277" cy="1404155"/>
           </a:xfrm>
           <a:prstGeom prst="ellipse">
             <a:avLst/>
@@ -12370,7 +12369,7 @@
       </p:pic>
       <p:pic>
         <p:nvPicPr>
-          <p:cNvPr id="5" name="Picture 2" descr="C:\Users\Cemal\Desktop\sunum görsel\hqdefault.jpg"/>
+          <p:cNvPr id="5" name="Picture 2"/>
           <p:cNvPicPr>
             <a:picLocks noChangeAspect="1" noChangeArrowheads="1"/>
           </p:cNvPicPr>
@@ -12384,15 +12383,14 @@
               </a:ext>
             </a:extLst>
           </a:blip>
-          <a:srcRect/>
           <a:stretch>
             <a:fillRect/>
           </a:stretch>
         </p:blipFill>
         <p:spPr bwMode="auto">
           <a:xfrm>
-            <a:off x="59499" y="-236562"/>
-            <a:ext cx="2496277" cy="1872208"/>
+            <a:off x="59499" y="-2536"/>
+            <a:ext cx="2496277" cy="1404155"/>
           </a:xfrm>
           <a:prstGeom prst="ellipse">
             <a:avLst/>
@@ -21835,11 +21833,7 @@
             </a:r>
             <a:r>
               <a:rPr lang="tr-TR" smtClean="0"/>
-              <a:t>bazı </a:t>
-            </a:r>
-            <a:r>
-              <a:rPr lang="tr-TR" smtClean="0"/>
-              <a:t>ipuçları </a:t>
+              <a:t>bazı ipuçları </a:t>
             </a:r>
             <a:r>
               <a:rPr lang="tr-TR" dirty="0" smtClean="0"/>
@@ -26746,8 +26740,21 @@
             </a:pPr>
             <a:r>
               <a:rPr lang="tr-TR" dirty="0" smtClean="0"/>
-              <a:t>Kullanıcılar, site içinde il, ilce ve mahalle bazlı filtrelemeler yaparak diledikleri siteyi arayabilirler</a:t>
+              <a:t>Kullanıcılar, site içinde il, </a:t>
             </a:r>
+            <a:r>
+              <a:rPr lang="tr-TR" dirty="0" smtClean="0"/>
+              <a:t>ilçe </a:t>
+            </a:r>
+            <a:r>
+              <a:rPr lang="tr-TR" dirty="0" smtClean="0"/>
+              <a:t>ve mahalle bazlı filtrelemeler yaparak diledikleri siteyi </a:t>
+            </a:r>
+            <a:r>
+              <a:rPr lang="tr-TR" dirty="0" smtClean="0"/>
+              <a:t>arayabilirler.</a:t>
+            </a:r>
+            <a:endParaRPr lang="tr-TR" dirty="0" smtClean="0"/>
           </a:p>
           <a:p>
             <a:pPr marL="171450" lvl="0" indent="-171450">
@@ -26759,15 +26766,7 @@
             </a:pPr>
             <a:r>
               <a:rPr lang="tr-TR" dirty="0" smtClean="0"/>
-              <a:t>Bu özelliklerden </a:t>
-            </a:r>
-            <a:r>
-              <a:rPr lang="tr-TR" dirty="0" smtClean="0"/>
-              <a:t>faydalanabilmeleri </a:t>
-            </a:r>
-            <a:r>
-              <a:rPr lang="tr-TR" dirty="0" smtClean="0"/>
-              <a:t>için kullanıcıların üye olmaları zorunludur.</a:t>
+              <a:t>Bu özelliklerden faydalanabilmeleri için kullanıcıların üye olmaları zorunludur.</a:t>
             </a:r>
           </a:p>
           <a:p>

--- a/Project_presentation/Project_presentation.pptx
+++ b/Project_presentation/Project_presentation.pptx
@@ -25317,48 +25317,6 @@
           <a:chExt cx="0" cy="0"/>
         </a:xfrm>
       </p:grpSpPr>
-      <p:sp>
-        <p:nvSpPr>
-          <p:cNvPr id="868" name="Google Shape;868;p56"/>
-          <p:cNvSpPr txBox="1">
-            <a:spLocks noGrp="1"/>
-          </p:cNvSpPr>
-          <p:nvPr>
-            <p:ph type="title"/>
-          </p:nvPr>
-        </p:nvSpPr>
-        <p:spPr>
-          <a:xfrm>
-            <a:off x="1331640" y="-236562"/>
-            <a:ext cx="6696744" cy="1512168"/>
-          </a:xfrm>
-          <a:prstGeom prst="rect">
-            <a:avLst/>
-          </a:prstGeom>
-        </p:spPr>
-        <p:txBody>
-          <a:bodyPr spcFirstLastPara="1" wrap="square" lIns="91425" tIns="91425" rIns="91425" bIns="91425" anchor="ctr" anchorCtr="0">
-            <a:noAutofit/>
-          </a:bodyPr>
-          <a:lstStyle/>
-          <a:p>
-            <a:pPr marL="0" lvl="0" indent="0" algn="ctr" rtl="0">
-              <a:spcBef>
-                <a:spcPts val="0"/>
-              </a:spcBef>
-              <a:spcAft>
-                <a:spcPts val="0"/>
-              </a:spcAft>
-              <a:buNone/>
-            </a:pPr>
-            <a:r>
-              <a:rPr lang="tr-TR" sz="6600" dirty="0" smtClean="0"/>
-              <a:t>TESEKKURLER!</a:t>
-            </a:r>
-            <a:endParaRPr sz="6600" dirty="0"/>
-          </a:p>
-        </p:txBody>
-      </p:sp>
       <p:grpSp>
         <p:nvGrpSpPr>
           <p:cNvPr id="869" name="Google Shape;869;p56"/>
@@ -26333,7 +26291,7 @@
       </p:grpSp>
       <p:pic>
         <p:nvPicPr>
-          <p:cNvPr id="8194" name="Picture 2" descr="C:\Users\Cemal\Desktop\sunum görsel\havelsan.jpg"/>
+          <p:cNvPr id="1026" name="Picture 2" descr="C:\Users\Cemal\Desktop\sunum görsel\1623308921059.jfif"/>
           <p:cNvPicPr>
             <a:picLocks noChangeAspect="1" noChangeArrowheads="1"/>
           </p:cNvPicPr>
@@ -26354,8 +26312,8 @@
         </p:blipFill>
         <p:spPr bwMode="auto">
           <a:xfrm>
-            <a:off x="1043608" y="987574"/>
-            <a:ext cx="7344816" cy="3904915"/>
+            <a:off x="1" y="9858"/>
+            <a:ext cx="9144000" cy="5133642"/>
           </a:xfrm>
           <a:prstGeom prst="rect">
             <a:avLst/>
@@ -26740,21 +26698,8 @@
             </a:pPr>
             <a:r>
               <a:rPr lang="tr-TR" dirty="0" smtClean="0"/>
-              <a:t>Kullanıcılar, site içinde il, </a:t>
+              <a:t>Kullanıcılar, site içinde il, ilçe ve mahalle bazlı filtrelemeler yaparak diledikleri siteyi arayabilirler.</a:t>
             </a:r>
-            <a:r>
-              <a:rPr lang="tr-TR" dirty="0" smtClean="0"/>
-              <a:t>ilçe </a:t>
-            </a:r>
-            <a:r>
-              <a:rPr lang="tr-TR" dirty="0" smtClean="0"/>
-              <a:t>ve mahalle bazlı filtrelemeler yaparak diledikleri siteyi </a:t>
-            </a:r>
-            <a:r>
-              <a:rPr lang="tr-TR" dirty="0" smtClean="0"/>
-              <a:t>arayabilirler.</a:t>
-            </a:r>
-            <a:endParaRPr lang="tr-TR" dirty="0" smtClean="0"/>
           </a:p>
           <a:p>
             <a:pPr marL="171450" lvl="0" indent="-171450">

--- a/Project_presentation/Project_presentation.pptx
+++ b/Project_presentation/Project_presentation.pptx
@@ -51,22 +51,22 @@
   <p:notesSz cx="6858000" cy="9144000"/>
   <p:embeddedFontLst>
     <p:embeddedFont>
-      <p:font typeface="Abel" panose="020B0604020202020204" charset="0"/>
+      <p:font typeface="Montserrat" panose="020B0604020202020204" charset="-94"/>
       <p:regular r:id="rId41"/>
-    </p:embeddedFont>
-    <p:embeddedFont>
-      <p:font typeface="Montserrat" panose="020B0604020202020204" charset="-94"/>
-      <p:regular r:id="rId42"/>
-      <p:bold r:id="rId43"/>
-      <p:italic r:id="rId44"/>
-      <p:boldItalic r:id="rId45"/>
+      <p:bold r:id="rId42"/>
+      <p:italic r:id="rId43"/>
+      <p:boldItalic r:id="rId44"/>
     </p:embeddedFont>
     <p:embeddedFont>
       <p:font typeface="Rubik Light" panose="020B0604020202020204" charset="-79"/>
-      <p:regular r:id="rId46"/>
-      <p:bold r:id="rId47"/>
-      <p:italic r:id="rId48"/>
-      <p:boldItalic r:id="rId49"/>
+      <p:regular r:id="rId45"/>
+      <p:bold r:id="rId46"/>
+      <p:italic r:id="rId47"/>
+      <p:boldItalic r:id="rId48"/>
+    </p:embeddedFont>
+    <p:embeddedFont>
+      <p:font typeface="Abel" panose="020B0604020202020204" charset="0"/>
+      <p:regular r:id="rId49"/>
     </p:embeddedFont>
   </p:embeddedFontLst>
   <p:defaultTextStyle>
@@ -12553,17 +12553,12 @@
             </a:pPr>
             <a:r>
               <a:rPr lang="tr-TR" dirty="0" smtClean="0"/>
-              <a:t>Burada tasarımsal değişiklik, projenin ilerleyen süreçlerde versiyon yükseltilmesi durumunda getirilen ekstra özellikler için gerekli yeri sağlamış ve düzenli bir görünüm elde edilmesi amaçlanmıştır.</a:t>
-            </a:r>
-          </a:p>
-          <a:p>
-            <a:pPr marL="171450" lvl="0" indent="-171450">
-              <a:spcBef>
-                <a:spcPts val="1600"/>
-              </a:spcBef>
-              <a:buFontTx/>
-              <a:buChar char="-"/>
-            </a:pPr>
+              <a:t>Burada tasarımsal değişiklik, projenin ilerleyen süreçlerde versiyon yükseltilmesi durumunda getirilen ekstra özellikler için gerekli yeri </a:t>
+            </a:r>
+            <a:r>
+              <a:rPr lang="tr-TR" dirty="0" smtClean="0"/>
+              <a:t>sağlamıştır. Bu menü aynı zamanda görsel olarak daha profesyonel durmaktadır.</a:t>
+            </a:r>
             <a:endParaRPr lang="tr-TR" dirty="0"/>
           </a:p>
           <a:p>
@@ -12576,7 +12571,39 @@
             </a:pPr>
             <a:r>
               <a:rPr lang="tr-TR" dirty="0" smtClean="0"/>
-              <a:t>Kullanıcı profili kısmı yerine kullanıcıların menü üzerinde eklediği siteleri düzenlemesi ve silmesi gibi özelliklerin kazandırılması amaçlanmıştır, ilerleyen süreçlerde projemize kullanıcıların kendi verilerini düzenleyebileceği bir profilim kısmı eklenecektir.</a:t>
+              <a:t>Kullanıcı profili kısmı yerine </a:t>
+            </a:r>
+            <a:r>
+              <a:rPr lang="tr-TR" dirty="0" smtClean="0"/>
+              <a:t>kullanıcıların, </a:t>
+            </a:r>
+            <a:r>
+              <a:rPr lang="tr-TR" dirty="0" smtClean="0"/>
+              <a:t>menü üzerinde eklediği siteleri düzenlemesi ve silmesi </a:t>
+            </a:r>
+            <a:r>
+              <a:rPr lang="tr-TR" dirty="0" smtClean="0"/>
+              <a:t> sağlanmıştır. </a:t>
+            </a:r>
+            <a:r>
+              <a:rPr lang="tr-TR" dirty="0"/>
+              <a:t>İ</a:t>
+            </a:r>
+            <a:r>
+              <a:rPr lang="tr-TR" dirty="0" smtClean="0"/>
+              <a:t>lerleyen </a:t>
+            </a:r>
+            <a:r>
+              <a:rPr lang="tr-TR" dirty="0" smtClean="0"/>
+              <a:t>süreçlerde </a:t>
+            </a:r>
+            <a:r>
+              <a:rPr lang="tr-TR" dirty="0" smtClean="0"/>
+              <a:t>projemize, </a:t>
+            </a:r>
+            <a:r>
+              <a:rPr lang="tr-TR" dirty="0" smtClean="0"/>
+              <a:t>kullanıcıların kendi verilerini düzenleyebileceği bir profilim kısmı eklenecektir.</a:t>
             </a:r>
             <a:endParaRPr dirty="0"/>
           </a:p>
@@ -15760,7 +15787,15 @@
             </a:r>
             <a:r>
               <a:rPr lang="tr-TR" dirty="0" smtClean="0"/>
-              <a:t> kullanıcıların Türkiye’nin her yerinde var olan yaşam alanları hakkında bilgi almalarını sağlayan, var olan bir yaşam alanını uygulamaya kazandıran, bu yaşam alanı hakkında gerekli bilgilerini girebileceği ve diğer kullanıcıların yorum yapabileceği forum tadında bir web sitesidir.</a:t>
+              <a:t> kullanıcıların Türkiye’nin her yerinde var olan yaşam alanları hakkında bilgi almalarını sağlayan, var olan bir yaşam alanını uygulamaya kazandıran, bu yaşam alanı hakkında gerekli </a:t>
+            </a:r>
+            <a:r>
+              <a:rPr lang="tr-TR" dirty="0" smtClean="0"/>
+              <a:t>bilgileri </a:t>
+            </a:r>
+            <a:r>
+              <a:rPr lang="tr-TR" dirty="0" smtClean="0"/>
+              <a:t>girebileceği ve diğer kullanıcıların yorum yapabileceği forum tadında bir web sitesidir.</a:t>
             </a:r>
           </a:p>
           <a:p>
@@ -15773,7 +15808,15 @@
             </a:pPr>
             <a:r>
               <a:rPr lang="tr-TR" dirty="0" smtClean="0"/>
-              <a:t>Son zamanlarda insanların güvenli yerlerde barınmaları, ciddi bir günümüz problemi olmuştur.  Bu problemi çözmek adına yola çıktığımız bu projede sizler, yani son kullanıcılarımızın ferah bir dijital ortamda, veri gizliliği dikkate alınarak uygun ortam yaratılması amaçlanmıştır.</a:t>
+              <a:t>Son zamanlarda insanların güvenli yerlerde barınmaları, ciddi bir günümüz problemi olmuştur.  Bu problemi çözmek adına yola çıktığımız bu projede sizler, yani son kullanıcılarımızın ferah bir dijital ortamda, veri gizliliği dikkate alınarak uygun </a:t>
+            </a:r>
+            <a:r>
+              <a:rPr lang="tr-TR" dirty="0" smtClean="0"/>
+              <a:t>alan yaratılması </a:t>
+            </a:r>
+            <a:r>
+              <a:rPr lang="tr-TR" dirty="0" smtClean="0"/>
+              <a:t>amaçlanmıştır.</a:t>
             </a:r>
           </a:p>
           <a:p>
@@ -16462,7 +16505,15 @@
             </a:r>
             <a:r>
               <a:rPr lang="tr-TR" sz="1200" dirty="0" smtClean="0"/>
-              <a:t> gibi teknolojiler kullanılarak, gerçek iş dünyasından modellenerek tıpkı bir çalışan deneyimi bizlere aktarılmıştır.</a:t>
+              <a:t> gibi teknolojiler kullanılarak, gerçek iş dünyasından modellenerek </a:t>
+            </a:r>
+            <a:r>
+              <a:rPr lang="tr-TR" sz="1200" dirty="0" smtClean="0"/>
+              <a:t>bir yazılım mühendisinin  </a:t>
+            </a:r>
+            <a:r>
+              <a:rPr lang="tr-TR" sz="1200" dirty="0" smtClean="0"/>
+              <a:t>çalışan deneyimi bizlere aktarılmıştır.</a:t>
             </a:r>
             <a:endParaRPr lang="tr-TR" sz="1200" dirty="0"/>
           </a:p>
@@ -18562,7 +18613,19 @@
             <a:pPr fontAlgn="base"/>
             <a:r>
               <a:rPr lang="tr-TR" dirty="0" smtClean="0"/>
-              <a:t>Model: Verilerimizi bir taslak üzerinden veri erişimine açtığı ve veri doğrulama(</a:t>
+              <a:t>Model: </a:t>
+            </a:r>
+            <a:r>
+              <a:rPr lang="tr-TR" dirty="0" smtClean="0"/>
+              <a:t>Verilerimizi, veri tabanını modelleyen sınıflar üzerinden </a:t>
+            </a:r>
+            <a:r>
+              <a:rPr lang="tr-TR" dirty="0" smtClean="0"/>
+              <a:t>veri erişimine açtığı ve veri </a:t>
+            </a:r>
+            <a:r>
+              <a:rPr lang="tr-TR" dirty="0" smtClean="0"/>
+              <a:t>doğrulama(</a:t>
             </a:r>
             <a:r>
               <a:rPr lang="tr-TR" dirty="0" err="1" smtClean="0"/>
@@ -18570,7 +18633,11 @@
             </a:r>
             <a:r>
               <a:rPr lang="tr-TR" dirty="0" smtClean="0"/>
-              <a:t>) kısmının bulunduğu bir katmandır.</a:t>
+              <a:t>) kısmının </a:t>
+            </a:r>
+            <a:r>
+              <a:rPr lang="tr-TR" dirty="0" smtClean="0"/>
+              <a:t>bulunduğu bir katmandır.</a:t>
             </a:r>
           </a:p>
           <a:p>
@@ -18834,12 +18901,12 @@
               <a:t> katmanında modelimizden gelen gerekli verileri görsel yüzde gerekli </a:t>
             </a:r>
             <a:r>
-              <a:rPr lang="tr-TR" sz="1200" dirty="0" err="1" smtClean="0"/>
-              <a:t>komponentler</a:t>
-            </a:r>
-            <a:r>
               <a:rPr lang="tr-TR" sz="1200" dirty="0" smtClean="0"/>
-              <a:t> içinde kullanılarak bizlere, büyük yardımlar sağlamaktadır.</a:t>
+              <a:t>html nesneleri içinde </a:t>
+            </a:r>
+            <a:r>
+              <a:rPr lang="tr-TR" sz="1200" dirty="0" smtClean="0"/>
+              <a:t>kullanılarak bizlere, büyük yardımlar sağlamaktadır.</a:t>
             </a:r>
           </a:p>
           <a:p>
@@ -21087,7 +21154,23 @@
             </a:r>
             <a:r>
               <a:rPr lang="tr-TR" dirty="0" smtClean="0"/>
-              <a:t> anlatılmak istenen, çok fazla sayıda ve çok fazla tekrarda veri tabanı işlemlerinde veri, veri tabanı üzerinde sorgularla ve hard diske kayıtlı bir veri olarak değil, ram üzerinde sorgu ve ilişki kurulmaksızın sadece </a:t>
+              <a:t> anlatılmak istenen, çok fazla sayıda ve </a:t>
+            </a:r>
+            <a:r>
+              <a:rPr lang="tr-TR" dirty="0" smtClean="0"/>
+              <a:t>aynı veri için art </a:t>
+            </a:r>
+            <a:r>
+              <a:rPr lang="tr-TR" dirty="0" smtClean="0"/>
+              <a:t>arda sorgu yapıldığı durumlarda istenilen veri</a:t>
+            </a:r>
+            <a:r>
+              <a:rPr lang="tr-TR" dirty="0" smtClean="0"/>
+              <a:t>, hard </a:t>
+            </a:r>
+            <a:r>
+              <a:rPr lang="tr-TR" dirty="0" smtClean="0"/>
+              <a:t>diske kayıtlı bir veri olarak değil, ram üzerinde sorgu ve ilişki kurulmaksızın sadece </a:t>
             </a:r>
             <a:r>
               <a:rPr lang="tr-TR" dirty="0" err="1" smtClean="0"/>
@@ -21412,7 +21495,23 @@
             </a:r>
             <a:r>
               <a:rPr lang="tr-TR" dirty="0" smtClean="0"/>
-              <a:t>  ise ASP.NET  Olarak belirlenmiştir.</a:t>
+              <a:t>  ise </a:t>
+            </a:r>
+            <a:r>
+              <a:rPr lang="tr-TR" dirty="0" smtClean="0"/>
+              <a:t>.NET </a:t>
+            </a:r>
+            <a:r>
+              <a:rPr lang="tr-TR" dirty="0" err="1" smtClean="0"/>
+              <a:t>framework</a:t>
+            </a:r>
+            <a:r>
+              <a:rPr lang="tr-TR" dirty="0" smtClean="0"/>
+              <a:t> Olarak </a:t>
+            </a:r>
+            <a:r>
+              <a:rPr lang="tr-TR" dirty="0" smtClean="0"/>
+              <a:t>belirlenmiştir.</a:t>
             </a:r>
           </a:p>
           <a:p>
@@ -21788,15 +21887,27 @@
             </a:r>
             <a:r>
               <a:rPr lang="tr-TR" dirty="0" smtClean="0"/>
-              <a:t> tasarlanışı, projeye başlamadan önce nasıl bir tasarım dilini kullanılacağının da karar verildiği aşamadır. Genelde projeye başlanmadan önce bir taslak tasarımı belirlenir ve proje geliştirildiği aşamalarda, taslak tasarımına uyarak proje </a:t>
-            </a:r>
-            <a:r>
-              <a:rPr lang="tr-TR" dirty="0" err="1" smtClean="0"/>
-              <a:t>arayüzü</a:t>
+              <a:t> </a:t>
             </a:r>
             <a:r>
               <a:rPr lang="tr-TR" dirty="0" smtClean="0"/>
-              <a:t> hazırlanır.</a:t>
+              <a:t>kısmı,</a:t>
+            </a:r>
+            <a:r>
+              <a:rPr lang="tr-TR" dirty="0" smtClean="0"/>
+              <a:t> </a:t>
+            </a:r>
+            <a:r>
+              <a:rPr lang="tr-TR" dirty="0" smtClean="0"/>
+              <a:t>projeye başlamadan önce nasıl bir tasarım dilini kullanılacağının da karar verildiği aşamadır. Genelde projeye başlanmadan önce bir taslak tasarımı belirlenir ve proje geliştirildiği aşamalarda, taslak tasarımına uyarak proje </a:t>
+            </a:r>
+            <a:r>
+              <a:rPr lang="tr-TR" dirty="0" smtClean="0"/>
+              <a:t>ara yüzü </a:t>
+            </a:r>
+            <a:r>
+              <a:rPr lang="tr-TR" dirty="0" smtClean="0"/>
+              <a:t>hazırlanır.</a:t>
             </a:r>
           </a:p>
           <a:p>
@@ -21829,15 +21940,7 @@
             </a:r>
             <a:r>
               <a:rPr lang="tr-TR" dirty="0" smtClean="0"/>
-              <a:t> tasarımı, aslında bizlere de arka planda neler yapacağımızı, hangi fonksiyonların yazılıp çizileceği konusunda da </a:t>
-            </a:r>
-            <a:r>
-              <a:rPr lang="tr-TR" smtClean="0"/>
-              <a:t>bazı ipuçları </a:t>
-            </a:r>
-            <a:r>
-              <a:rPr lang="tr-TR" dirty="0" smtClean="0"/>
-              <a:t>vermektedir. </a:t>
+              <a:t> tasarımı, aslında bizlere de arka planda neler yapacağımızı, hangi fonksiyonların yazılıp çizileceği konusunda da bazı ipuçları vermektedir. </a:t>
             </a:r>
           </a:p>
           <a:p>
@@ -21878,7 +21981,11 @@
             </a:r>
             <a:r>
               <a:rPr lang="tr-TR" dirty="0" smtClean="0"/>
-              <a:t> fikirleri ışığında bu karar verilmiş ve kullanım basitliği nedeniyle biz stajyer olarak oldukça uygun görülmüştür.</a:t>
+              <a:t> fikirleri ışığında bu karar verilmiş ve kullanım basitliği nedeniyle biz stajyer olarak oldukça </a:t>
+            </a:r>
+            <a:r>
+              <a:rPr lang="tr-TR" dirty="0" smtClean="0"/>
+              <a:t>rahat kullanılmıştır.</a:t>
             </a:r>
             <a:endParaRPr lang="tr-TR" dirty="0"/>
           </a:p>
@@ -22311,11 +22418,15 @@
             </a:r>
             <a:r>
               <a:rPr lang="tr-TR" sz="1200" dirty="0" err="1" smtClean="0"/>
-              <a:t>mentörlerimiz</a:t>
+              <a:t>mentörlerimizin</a:t>
             </a:r>
             <a:r>
               <a:rPr lang="tr-TR" sz="1200" dirty="0" smtClean="0"/>
-              <a:t> bilgilendirmesi sonucunda uygun şartlarda kullanılmıştır. Uygun </a:t>
+              <a:t> </a:t>
+            </a:r>
+            <a:r>
+              <a:rPr lang="tr-TR" sz="1200" dirty="0" smtClean="0"/>
+              <a:t>bilgilendirmesi sonucunda uygun şartlarda kullanılmıştır. Uygun </a:t>
             </a:r>
             <a:r>
               <a:rPr lang="tr-TR" sz="1200" dirty="0" err="1" smtClean="0"/>
@@ -25022,7 +25133,23 @@
             </a:r>
             <a:r>
               <a:rPr lang="tr-TR" dirty="0" smtClean="0"/>
-              <a:t> yaklaşımını öğrenmiş bulunmaktayız, bunun sonucunda iş dünyasında tercih edilen </a:t>
+              <a:t> yaklaşımını öğrenmiş </a:t>
+            </a:r>
+            <a:r>
+              <a:rPr lang="tr-TR" dirty="0" smtClean="0"/>
+              <a:t>bulunmaktayız. </a:t>
+            </a:r>
+            <a:r>
+              <a:rPr lang="tr-TR" dirty="0"/>
+              <a:t>B</a:t>
+            </a:r>
+            <a:r>
+              <a:rPr lang="tr-TR" dirty="0" smtClean="0"/>
+              <a:t>unun </a:t>
+            </a:r>
+            <a:r>
+              <a:rPr lang="tr-TR" dirty="0" smtClean="0"/>
+              <a:t>sonucunda iş dünyasında tercih edilen </a:t>
             </a:r>
             <a:r>
               <a:rPr lang="tr-TR" dirty="0" err="1" smtClean="0"/>
@@ -26685,7 +26812,31 @@
             </a:pPr>
             <a:r>
               <a:rPr lang="tr-TR" dirty="0" smtClean="0"/>
-              <a:t>Var olan yorumları düzenleyebilir veya silebilirler, bir bölgede hizmet eskisi gibi değilse anket düzenlenip puanların düşürülmesi veya bir bölgede puanlar yüksek ise anket düzenlenip puanlar yükseltilmektedir.</a:t>
+              <a:t>Var olan yorumları düzenleyebilir veya </a:t>
+            </a:r>
+            <a:r>
+              <a:rPr lang="tr-TR" dirty="0" smtClean="0"/>
+              <a:t>silebilirler. </a:t>
+            </a:r>
+            <a:r>
+              <a:rPr lang="tr-TR" dirty="0"/>
+              <a:t>B</a:t>
+            </a:r>
+            <a:r>
+              <a:rPr lang="tr-TR" dirty="0" smtClean="0"/>
+              <a:t>ir </a:t>
+            </a:r>
+            <a:r>
+              <a:rPr lang="tr-TR" dirty="0" smtClean="0"/>
+              <a:t>bölgede hizmet eskisi gibi değilse anket düzenlenip puanların düşürülmesi veya bir bölgede </a:t>
+            </a:r>
+            <a:r>
+              <a:rPr lang="tr-TR" dirty="0" smtClean="0"/>
+              <a:t>hizmet tekrardan düzeldi ise </a:t>
+            </a:r>
+            <a:r>
+              <a:rPr lang="tr-TR" dirty="0" smtClean="0"/>
+              <a:t>anket düzenlenip puanlar yükseltilmektedir.</a:t>
             </a:r>
           </a:p>
           <a:p>
@@ -27082,15 +27233,23 @@
             </a:r>
             <a:r>
               <a:rPr lang="tr-TR" dirty="0" smtClean="0"/>
-              <a:t> tasarımında belirlenen bazı özelliklerin kullanımı, üye olan kullanıcılara özel olduğundan dolayı bazı tasarımlar değişiklikler ve </a:t>
-            </a:r>
-            <a:r>
-              <a:rPr lang="tr-TR" dirty="0" err="1" smtClean="0"/>
-              <a:t>fonksiyonalite</a:t>
+              <a:t> tasarımında belirlenen bazı özelliklerin kullanımı, üye olan kullanıcılara özel olduğundan dolayı bazı </a:t>
             </a:r>
             <a:r>
               <a:rPr lang="tr-TR" dirty="0" smtClean="0"/>
-              <a:t> değişiklikleri yapılmıştır.</a:t>
+              <a:t>tasarımsal </a:t>
+            </a:r>
+            <a:r>
+              <a:rPr lang="tr-TR" dirty="0" smtClean="0"/>
+              <a:t>değişiklikler ve </a:t>
+            </a:r>
+            <a:r>
+              <a:rPr lang="tr-TR" dirty="0" smtClean="0"/>
+              <a:t>arka plan fonksiyonlarının değişiklikleri </a:t>
+            </a:r>
+            <a:r>
+              <a:rPr lang="tr-TR" dirty="0" smtClean="0"/>
+              <a:t>yapılmıştır.</a:t>
             </a:r>
           </a:p>
           <a:p>
@@ -27123,8 +27282,32 @@
               <a:buChar char="-"/>
             </a:pPr>
             <a:r>
+              <a:rPr lang="tr-TR" dirty="0"/>
+              <a:t>Ö</a:t>
+            </a:r>
+            <a:r>
               <a:rPr lang="tr-TR" dirty="0" smtClean="0"/>
-              <a:t>Bu durumda ürün sahibi, özelliklerin kullanılması için üyelik şartı sayesinde web sitesinde kullanıcılarında artış yaşanması amaçlanmıştır.</a:t>
+              <a:t>zelliklerin </a:t>
+            </a:r>
+            <a:r>
+              <a:rPr lang="tr-TR" dirty="0" smtClean="0"/>
+              <a:t>kullanılması için üyelik şartı </a:t>
+            </a:r>
+            <a:r>
+              <a:rPr lang="tr-TR" dirty="0" smtClean="0"/>
+              <a:t>sebebiyle </a:t>
+            </a:r>
+            <a:r>
+              <a:rPr lang="tr-TR" dirty="0" smtClean="0"/>
+              <a:t>web </a:t>
+            </a:r>
+            <a:r>
+              <a:rPr lang="tr-TR" dirty="0" smtClean="0"/>
+              <a:t>sitesinin kullanıcılarında, artış </a:t>
+            </a:r>
+            <a:r>
+              <a:rPr lang="tr-TR" dirty="0" smtClean="0"/>
+              <a:t>yaşanması amaçlanmıştır.</a:t>
             </a:r>
           </a:p>
           <a:p>

--- a/Project_presentation/Project_presentation.pptx
+++ b/Project_presentation/Project_presentation.pptx
@@ -51,22 +51,22 @@
   <p:notesSz cx="6858000" cy="9144000"/>
   <p:embeddedFontLst>
     <p:embeddedFont>
+      <p:font typeface="Abel" panose="020B0604020202020204" charset="0"/>
+      <p:regular r:id="rId41"/>
+    </p:embeddedFont>
+    <p:embeddedFont>
       <p:font typeface="Montserrat" panose="020B0604020202020204" charset="-94"/>
-      <p:regular r:id="rId41"/>
-      <p:bold r:id="rId42"/>
-      <p:italic r:id="rId43"/>
-      <p:boldItalic r:id="rId44"/>
+      <p:regular r:id="rId42"/>
+      <p:bold r:id="rId43"/>
+      <p:italic r:id="rId44"/>
+      <p:boldItalic r:id="rId45"/>
     </p:embeddedFont>
     <p:embeddedFont>
       <p:font typeface="Rubik Light" panose="020B0604020202020204" charset="-79"/>
-      <p:regular r:id="rId45"/>
-      <p:bold r:id="rId46"/>
-      <p:italic r:id="rId47"/>
-      <p:boldItalic r:id="rId48"/>
-    </p:embeddedFont>
-    <p:embeddedFont>
-      <p:font typeface="Abel" panose="020B0604020202020204" charset="0"/>
-      <p:regular r:id="rId49"/>
+      <p:regular r:id="rId46"/>
+      <p:bold r:id="rId47"/>
+      <p:italic r:id="rId48"/>
+      <p:boldItalic r:id="rId49"/>
     </p:embeddedFont>
   </p:embeddedFontLst>
   <p:defaultTextStyle>
@@ -12553,11 +12553,7 @@
             </a:pPr>
             <a:r>
               <a:rPr lang="tr-TR" dirty="0" smtClean="0"/>
-              <a:t>Burada tasarımsal değişiklik, projenin ilerleyen süreçlerde versiyon yükseltilmesi durumunda getirilen ekstra özellikler için gerekli yeri </a:t>
-            </a:r>
-            <a:r>
-              <a:rPr lang="tr-TR" dirty="0" smtClean="0"/>
-              <a:t>sağlamıştır. Bu menü aynı zamanda görsel olarak daha profesyonel durmaktadır.</a:t>
+              <a:t>Burada tasarımsal değişiklik, projenin ilerleyen süreçlerde versiyon yükseltilmesi durumunda getirilen ekstra özellikler için gerekli yeri sağlamıştır. Bu menü aynı zamanda görsel olarak daha profesyonel durmaktadır.</a:t>
             </a:r>
             <a:endParaRPr lang="tr-TR" dirty="0"/>
           </a:p>
@@ -12571,19 +12567,7 @@
             </a:pPr>
             <a:r>
               <a:rPr lang="tr-TR" dirty="0" smtClean="0"/>
-              <a:t>Kullanıcı profili kısmı yerine </a:t>
-            </a:r>
-            <a:r>
-              <a:rPr lang="tr-TR" dirty="0" smtClean="0"/>
-              <a:t>kullanıcıların, </a:t>
-            </a:r>
-            <a:r>
-              <a:rPr lang="tr-TR" dirty="0" smtClean="0"/>
-              <a:t>menü üzerinde eklediği siteleri düzenlemesi ve silmesi </a:t>
-            </a:r>
-            <a:r>
-              <a:rPr lang="tr-TR" dirty="0" smtClean="0"/>
-              <a:t> sağlanmıştır. </a:t>
+              <a:t>Kullanıcı profili kısmı yerine kullanıcıların, menü üzerinde eklediği siteleri düzenlemesi ve silmesi  sağlanmıştır. </a:t>
             </a:r>
             <a:r>
               <a:rPr lang="tr-TR" dirty="0"/>
@@ -12591,19 +12575,7 @@
             </a:r>
             <a:r>
               <a:rPr lang="tr-TR" dirty="0" smtClean="0"/>
-              <a:t>lerleyen </a:t>
-            </a:r>
-            <a:r>
-              <a:rPr lang="tr-TR" dirty="0" smtClean="0"/>
-              <a:t>süreçlerde </a:t>
-            </a:r>
-            <a:r>
-              <a:rPr lang="tr-TR" dirty="0" smtClean="0"/>
-              <a:t>projemize, </a:t>
-            </a:r>
-            <a:r>
-              <a:rPr lang="tr-TR" dirty="0" smtClean="0"/>
-              <a:t>kullanıcıların kendi verilerini düzenleyebileceği bir profilim kısmı eklenecektir.</a:t>
+              <a:t>lerleyen süreçlerde projemize, kullanıcıların kendi verilerini düzenleyebileceği bir profilim kısmı eklenecektir.</a:t>
             </a:r>
             <a:endParaRPr dirty="0"/>
           </a:p>
@@ -15787,15 +15759,23 @@
             </a:r>
             <a:r>
               <a:rPr lang="tr-TR" dirty="0" smtClean="0"/>
-              <a:t> kullanıcıların Türkiye’nin her yerinde var olan yaşam alanları hakkında bilgi almalarını sağlayan, var olan bir yaşam alanını uygulamaya kazandıran, bu yaşam alanı hakkında gerekli </a:t>
+              <a:t> kullanıcıların Türkiye’nin her yerinde var olan yaşam alanları hakkında bilgi almalarını sağlayan, var olan bir yaşam alanını uygulamaya kazandıran, bu yaşam alanı hakkında gerekli bilgileri girebileceği ve diğer kullanıcıların yorum yapabileceği </a:t>
+            </a:r>
+            <a:r>
+              <a:rPr lang="tr-TR" smtClean="0"/>
+              <a:t>forum </a:t>
+            </a:r>
+            <a:r>
+              <a:rPr lang="tr-TR" smtClean="0"/>
+              <a:t>benzeri</a:t>
+            </a:r>
+            <a:r>
+              <a:rPr lang="tr-TR" smtClean="0"/>
+              <a:t> </a:t>
             </a:r>
             <a:r>
               <a:rPr lang="tr-TR" dirty="0" smtClean="0"/>
-              <a:t>bilgileri </a:t>
-            </a:r>
-            <a:r>
-              <a:rPr lang="tr-TR" dirty="0" smtClean="0"/>
-              <a:t>girebileceği ve diğer kullanıcıların yorum yapabileceği forum tadında bir web sitesidir.</a:t>
+              <a:t>bir web sitesidir.</a:t>
             </a:r>
           </a:p>
           <a:p>
@@ -15808,15 +15788,7 @@
             </a:pPr>
             <a:r>
               <a:rPr lang="tr-TR" dirty="0" smtClean="0"/>
-              <a:t>Son zamanlarda insanların güvenli yerlerde barınmaları, ciddi bir günümüz problemi olmuştur.  Bu problemi çözmek adına yola çıktığımız bu projede sizler, yani son kullanıcılarımızın ferah bir dijital ortamda, veri gizliliği dikkate alınarak uygun </a:t>
-            </a:r>
-            <a:r>
-              <a:rPr lang="tr-TR" dirty="0" smtClean="0"/>
-              <a:t>alan yaratılması </a:t>
-            </a:r>
-            <a:r>
-              <a:rPr lang="tr-TR" dirty="0" smtClean="0"/>
-              <a:t>amaçlanmıştır.</a:t>
+              <a:t>Son zamanlarda insanların güvenli yerlerde barınmaları, ciddi bir günümüz problemi olmuştur.  Bu problemi çözmek adına yola çıktığımız bu projede sizler, yani son kullanıcılarımızın ferah bir dijital ortamda, veri gizliliği dikkate alınarak uygun alan yaratılması amaçlanmıştır.</a:t>
             </a:r>
           </a:p>
           <a:p>
@@ -16505,15 +16477,7 @@
             </a:r>
             <a:r>
               <a:rPr lang="tr-TR" sz="1200" dirty="0" smtClean="0"/>
-              <a:t> gibi teknolojiler kullanılarak, gerçek iş dünyasından modellenerek </a:t>
-            </a:r>
-            <a:r>
-              <a:rPr lang="tr-TR" sz="1200" dirty="0" smtClean="0"/>
-              <a:t>bir yazılım mühendisinin  </a:t>
-            </a:r>
-            <a:r>
-              <a:rPr lang="tr-TR" sz="1200" dirty="0" smtClean="0"/>
-              <a:t>çalışan deneyimi bizlere aktarılmıştır.</a:t>
+              <a:t> gibi teknolojiler kullanılarak, gerçek iş dünyasından modellenerek bir yazılım mühendisinin  çalışan deneyimi bizlere aktarılmıştır.</a:t>
             </a:r>
             <a:endParaRPr lang="tr-TR" sz="1200" dirty="0"/>
           </a:p>
@@ -18613,19 +18577,7 @@
             <a:pPr fontAlgn="base"/>
             <a:r>
               <a:rPr lang="tr-TR" dirty="0" smtClean="0"/>
-              <a:t>Model: </a:t>
-            </a:r>
-            <a:r>
-              <a:rPr lang="tr-TR" dirty="0" smtClean="0"/>
-              <a:t>Verilerimizi, veri tabanını modelleyen sınıflar üzerinden </a:t>
-            </a:r>
-            <a:r>
-              <a:rPr lang="tr-TR" dirty="0" smtClean="0"/>
-              <a:t>veri erişimine açtığı ve veri </a:t>
-            </a:r>
-            <a:r>
-              <a:rPr lang="tr-TR" dirty="0" smtClean="0"/>
-              <a:t>doğrulama(</a:t>
+              <a:t>Model: Verilerimizi, veri tabanını modelleyen sınıflar üzerinden veri erişimine açtığı ve veri doğrulama(</a:t>
             </a:r>
             <a:r>
               <a:rPr lang="tr-TR" dirty="0" err="1" smtClean="0"/>
@@ -18633,11 +18585,7 @@
             </a:r>
             <a:r>
               <a:rPr lang="tr-TR" dirty="0" smtClean="0"/>
-              <a:t>) kısmının </a:t>
-            </a:r>
-            <a:r>
-              <a:rPr lang="tr-TR" dirty="0" smtClean="0"/>
-              <a:t>bulunduğu bir katmandır.</a:t>
+              <a:t>) kısmının bulunduğu bir katmandır.</a:t>
             </a:r>
           </a:p>
           <a:p>
@@ -18898,15 +18846,7 @@
             </a:r>
             <a:r>
               <a:rPr lang="tr-TR" sz="1200" dirty="0" smtClean="0"/>
-              <a:t> katmanında modelimizden gelen gerekli verileri görsel yüzde gerekli </a:t>
-            </a:r>
-            <a:r>
-              <a:rPr lang="tr-TR" sz="1200" dirty="0" smtClean="0"/>
-              <a:t>html nesneleri içinde </a:t>
-            </a:r>
-            <a:r>
-              <a:rPr lang="tr-TR" sz="1200" dirty="0" smtClean="0"/>
-              <a:t>kullanılarak bizlere, büyük yardımlar sağlamaktadır.</a:t>
+              <a:t> katmanında modelimizden gelen gerekli verileri görsel yüzde gerekli html nesneleri içinde kullanılarak bizlere, büyük yardımlar sağlamaktadır.</a:t>
             </a:r>
           </a:p>
           <a:p>
@@ -21154,23 +21094,7 @@
             </a:r>
             <a:r>
               <a:rPr lang="tr-TR" dirty="0" smtClean="0"/>
-              <a:t> anlatılmak istenen, çok fazla sayıda ve </a:t>
-            </a:r>
-            <a:r>
-              <a:rPr lang="tr-TR" dirty="0" smtClean="0"/>
-              <a:t>aynı veri için art </a:t>
-            </a:r>
-            <a:r>
-              <a:rPr lang="tr-TR" dirty="0" smtClean="0"/>
-              <a:t>arda sorgu yapıldığı durumlarda istenilen veri</a:t>
-            </a:r>
-            <a:r>
-              <a:rPr lang="tr-TR" dirty="0" smtClean="0"/>
-              <a:t>, hard </a:t>
-            </a:r>
-            <a:r>
-              <a:rPr lang="tr-TR" dirty="0" smtClean="0"/>
-              <a:t>diske kayıtlı bir veri olarak değil, ram üzerinde sorgu ve ilişki kurulmaksızın sadece </a:t>
+              <a:t> anlatılmak istenen, çok fazla sayıda ve aynı veri için art arda sorgu yapıldığı durumlarda istenilen veri, hard diske kayıtlı bir veri olarak değil, ram üzerinde sorgu ve ilişki kurulmaksızın sadece </a:t>
             </a:r>
             <a:r>
               <a:rPr lang="tr-TR" dirty="0" err="1" smtClean="0"/>
@@ -21495,11 +21419,7 @@
             </a:r>
             <a:r>
               <a:rPr lang="tr-TR" dirty="0" smtClean="0"/>
-              <a:t>  ise </a:t>
-            </a:r>
-            <a:r>
-              <a:rPr lang="tr-TR" dirty="0" smtClean="0"/>
-              <a:t>.NET </a:t>
+              <a:t>  ise .NET </a:t>
             </a:r>
             <a:r>
               <a:rPr lang="tr-TR" dirty="0" err="1" smtClean="0"/>
@@ -21507,11 +21427,7 @@
             </a:r>
             <a:r>
               <a:rPr lang="tr-TR" dirty="0" smtClean="0"/>
-              <a:t> Olarak </a:t>
-            </a:r>
-            <a:r>
-              <a:rPr lang="tr-TR" dirty="0" smtClean="0"/>
-              <a:t>belirlenmiştir.</a:t>
+              <a:t> Olarak belirlenmiştir.</a:t>
             </a:r>
           </a:p>
           <a:p>
@@ -21887,27 +21803,7 @@
             </a:r>
             <a:r>
               <a:rPr lang="tr-TR" dirty="0" smtClean="0"/>
-              <a:t> </a:t>
-            </a:r>
-            <a:r>
-              <a:rPr lang="tr-TR" dirty="0" smtClean="0"/>
-              <a:t>kısmı,</a:t>
-            </a:r>
-            <a:r>
-              <a:rPr lang="tr-TR" dirty="0" smtClean="0"/>
-              <a:t> </a:t>
-            </a:r>
-            <a:r>
-              <a:rPr lang="tr-TR" dirty="0" smtClean="0"/>
-              <a:t>projeye başlamadan önce nasıl bir tasarım dilini kullanılacağının da karar verildiği aşamadır. Genelde projeye başlanmadan önce bir taslak tasarımı belirlenir ve proje geliştirildiği aşamalarda, taslak tasarımına uyarak proje </a:t>
-            </a:r>
-            <a:r>
-              <a:rPr lang="tr-TR" dirty="0" smtClean="0"/>
-              <a:t>ara yüzü </a:t>
-            </a:r>
-            <a:r>
-              <a:rPr lang="tr-TR" dirty="0" smtClean="0"/>
-              <a:t>hazırlanır.</a:t>
+              <a:t> kısmı, projeye başlamadan önce nasıl bir tasarım dilini kullanılacağının da karar verildiği aşamadır. Genelde projeye başlanmadan önce bir taslak tasarımı belirlenir ve proje geliştirildiği aşamalarda, taslak tasarımına uyarak proje ara yüzü hazırlanır.</a:t>
             </a:r>
           </a:p>
           <a:p>
@@ -21981,11 +21877,7 @@
             </a:r>
             <a:r>
               <a:rPr lang="tr-TR" dirty="0" smtClean="0"/>
-              <a:t> fikirleri ışığında bu karar verilmiş ve kullanım basitliği nedeniyle biz stajyer olarak oldukça </a:t>
-            </a:r>
-            <a:r>
-              <a:rPr lang="tr-TR" dirty="0" smtClean="0"/>
-              <a:t>rahat kullanılmıştır.</a:t>
+              <a:t> fikirleri ışığında bu karar verilmiş ve kullanım basitliği nedeniyle biz stajyer olarak oldukça rahat kullanılmıştır.</a:t>
             </a:r>
             <a:endParaRPr lang="tr-TR" dirty="0"/>
           </a:p>
@@ -22422,11 +22314,7 @@
             </a:r>
             <a:r>
               <a:rPr lang="tr-TR" sz="1200" dirty="0" smtClean="0"/>
-              <a:t> </a:t>
-            </a:r>
-            <a:r>
-              <a:rPr lang="tr-TR" sz="1200" dirty="0" smtClean="0"/>
-              <a:t>bilgilendirmesi sonucunda uygun şartlarda kullanılmıştır. Uygun </a:t>
+              <a:t> bilgilendirmesi sonucunda uygun şartlarda kullanılmıştır. Uygun </a:t>
             </a:r>
             <a:r>
               <a:rPr lang="tr-TR" sz="1200" dirty="0" err="1" smtClean="0"/>
@@ -25133,11 +25021,7 @@
             </a:r>
             <a:r>
               <a:rPr lang="tr-TR" dirty="0" smtClean="0"/>
-              <a:t> yaklaşımını öğrenmiş </a:t>
-            </a:r>
-            <a:r>
-              <a:rPr lang="tr-TR" dirty="0" smtClean="0"/>
-              <a:t>bulunmaktayız. </a:t>
+              <a:t> yaklaşımını öğrenmiş bulunmaktayız. </a:t>
             </a:r>
             <a:r>
               <a:rPr lang="tr-TR" dirty="0"/>
@@ -25145,11 +25029,7 @@
             </a:r>
             <a:r>
               <a:rPr lang="tr-TR" dirty="0" smtClean="0"/>
-              <a:t>unun </a:t>
-            </a:r>
-            <a:r>
-              <a:rPr lang="tr-TR" dirty="0" smtClean="0"/>
-              <a:t>sonucunda iş dünyasında tercih edilen </a:t>
+              <a:t>unun sonucunda iş dünyasında tercih edilen </a:t>
             </a:r>
             <a:r>
               <a:rPr lang="tr-TR" dirty="0" err="1" smtClean="0"/>
@@ -26812,11 +26692,7 @@
             </a:pPr>
             <a:r>
               <a:rPr lang="tr-TR" dirty="0" smtClean="0"/>
-              <a:t>Var olan yorumları düzenleyebilir veya </a:t>
-            </a:r>
-            <a:r>
-              <a:rPr lang="tr-TR" dirty="0" smtClean="0"/>
-              <a:t>silebilirler. </a:t>
+              <a:t>Var olan yorumları düzenleyebilir veya silebilirler. </a:t>
             </a:r>
             <a:r>
               <a:rPr lang="tr-TR" dirty="0"/>
@@ -26824,19 +26700,7 @@
             </a:r>
             <a:r>
               <a:rPr lang="tr-TR" dirty="0" smtClean="0"/>
-              <a:t>ir </a:t>
-            </a:r>
-            <a:r>
-              <a:rPr lang="tr-TR" dirty="0" smtClean="0"/>
-              <a:t>bölgede hizmet eskisi gibi değilse anket düzenlenip puanların düşürülmesi veya bir bölgede </a:t>
-            </a:r>
-            <a:r>
-              <a:rPr lang="tr-TR" dirty="0" smtClean="0"/>
-              <a:t>hizmet tekrardan düzeldi ise </a:t>
-            </a:r>
-            <a:r>
-              <a:rPr lang="tr-TR" dirty="0" smtClean="0"/>
-              <a:t>anket düzenlenip puanlar yükseltilmektedir.</a:t>
+              <a:t>ir bölgede hizmet eskisi gibi değilse anket düzenlenip puanların düşürülmesi veya bir bölgede hizmet tekrardan düzeldi ise anket düzenlenip puanlar yükseltilmektedir.</a:t>
             </a:r>
           </a:p>
           <a:p>
@@ -27233,23 +27097,7 @@
             </a:r>
             <a:r>
               <a:rPr lang="tr-TR" dirty="0" smtClean="0"/>
-              <a:t> tasarımında belirlenen bazı özelliklerin kullanımı, üye olan kullanıcılara özel olduğundan dolayı bazı </a:t>
-            </a:r>
-            <a:r>
-              <a:rPr lang="tr-TR" dirty="0" smtClean="0"/>
-              <a:t>tasarımsal </a:t>
-            </a:r>
-            <a:r>
-              <a:rPr lang="tr-TR" dirty="0" smtClean="0"/>
-              <a:t>değişiklikler ve </a:t>
-            </a:r>
-            <a:r>
-              <a:rPr lang="tr-TR" dirty="0" smtClean="0"/>
-              <a:t>arka plan fonksiyonlarının değişiklikleri </a:t>
-            </a:r>
-            <a:r>
-              <a:rPr lang="tr-TR" dirty="0" smtClean="0"/>
-              <a:t>yapılmıştır.</a:t>
+              <a:t> tasarımında belirlenen bazı özelliklerin kullanımı, üye olan kullanıcılara özel olduğundan dolayı bazı tasarımsal değişiklikler ve arka plan fonksiyonlarının değişiklikleri yapılmıştır.</a:t>
             </a:r>
           </a:p>
           <a:p>
@@ -27287,27 +27135,7 @@
             </a:r>
             <a:r>
               <a:rPr lang="tr-TR" dirty="0" smtClean="0"/>
-              <a:t>zelliklerin </a:t>
-            </a:r>
-            <a:r>
-              <a:rPr lang="tr-TR" dirty="0" smtClean="0"/>
-              <a:t>kullanılması için üyelik şartı </a:t>
-            </a:r>
-            <a:r>
-              <a:rPr lang="tr-TR" dirty="0" smtClean="0"/>
-              <a:t>sebebiyle </a:t>
-            </a:r>
-            <a:r>
-              <a:rPr lang="tr-TR" dirty="0" smtClean="0"/>
-              <a:t>web </a:t>
-            </a:r>
-            <a:r>
-              <a:rPr lang="tr-TR" dirty="0" smtClean="0"/>
-              <a:t>sitesinin kullanıcılarında, artış </a:t>
-            </a:r>
-            <a:r>
-              <a:rPr lang="tr-TR" dirty="0" smtClean="0"/>
-              <a:t>yaşanması amaçlanmıştır.</a:t>
+              <a:t>zelliklerin kullanılması için üyelik şartı sebebiyle web sitesinin kullanıcılarında, artış yaşanması amaçlanmıştır.</a:t>
             </a:r>
           </a:p>
           <a:p>
